--- a/DE2_TermProject_VM_BH_AS.pptx
+++ b/DE2_TermProject_VM_BH_AS.pptx
@@ -7092,21 +7092,68 @@
                 <a:spcPts val="0"/>
               </a:spcBef>
               <a:spcAft>
+                <a:spcPts val="0"/>
+              </a:spcAft>
+              <a:buFont typeface="Arial" panose="020B0604020202020204" pitchFamily="34" charset="0"/>
+              <a:buChar char="•"/>
+            </a:pPr>
+            <a:r>
+              <a:rPr lang="en-US" sz="1100" b="0" i="0" u="none" strike="noStrike" dirty="0">
+                <a:solidFill>
+                  <a:srgbClr val="000000"/>
+                </a:solidFill>
+                <a:effectLst/>
+                <a:latin typeface="Verdana" panose="020B0604030504040204" pitchFamily="34" charset="0"/>
+              </a:rPr>
+              <a:t>Weekly Working hours</a:t>
+            </a:r>
+            <a:endParaRPr lang="hu-HU" sz="1100" dirty="0">
+              <a:solidFill>
+                <a:srgbClr val="000000"/>
+              </a:solidFill>
+              <a:latin typeface="Verdana" panose="020B0604030504040204" pitchFamily="34" charset="0"/>
+            </a:endParaRPr>
+          </a:p>
+          <a:p>
+            <a:pPr marL="742950" lvl="1" indent="-285750" algn="just" rtl="0" fontAlgn="base">
+              <a:lnSpc>
+                <a:spcPct val="150000"/>
+              </a:lnSpc>
+              <a:spcBef>
+                <a:spcPts val="0"/>
+              </a:spcBef>
+              <a:spcAft>
                 <a:spcPts val="1200"/>
               </a:spcAft>
               <a:buFont typeface="Arial" panose="020B0604020202020204" pitchFamily="34" charset="0"/>
               <a:buChar char="•"/>
             </a:pPr>
             <a:r>
-              <a:rPr lang="en-US" sz="1100" b="0" i="0" u="none" strike="noStrike" dirty="0">
+              <a:rPr lang="hu-HU" sz="1100" b="0" i="0" u="none" strike="noStrike" dirty="0" err="1">
                 <a:solidFill>
                   <a:srgbClr val="000000"/>
                 </a:solidFill>
                 <a:effectLst/>
                 <a:latin typeface="Verdana" panose="020B0604030504040204" pitchFamily="34" charset="0"/>
               </a:rPr>
-              <a:t>Weekly Working hours</a:t>
-            </a:r>
+              <a:t>P</a:t>
+            </a:r>
+            <a:r>
+              <a:rPr lang="hu-HU" sz="1100" dirty="0" err="1">
+                <a:solidFill>
+                  <a:srgbClr val="000000"/>
+                </a:solidFill>
+                <a:latin typeface="Verdana" panose="020B0604030504040204" pitchFamily="34" charset="0"/>
+              </a:rPr>
+              <a:t>opulation</a:t>
+            </a:r>
+            <a:endParaRPr lang="en-US" sz="1100" b="0" i="0" u="none" strike="noStrike" dirty="0">
+              <a:solidFill>
+                <a:srgbClr val="000000"/>
+              </a:solidFill>
+              <a:effectLst/>
+              <a:latin typeface="Verdana" panose="020B0604030504040204" pitchFamily="34" charset="0"/>
+            </a:endParaRPr>
           </a:p>
           <a:p>
             <a:pPr marL="0" indent="0">
@@ -7970,21 +8017,108 @@
           </a:p>
         </p:txBody>
       </p:sp>
+      <p:sp>
+        <p:nvSpPr>
+          <p:cNvPr id="5" name="Slide Number Placeholder 4">
+            <a:extLst>
+              <a:ext uri="{FF2B5EF4-FFF2-40B4-BE49-F238E27FC236}">
+                <a16:creationId xmlns:a16="http://schemas.microsoft.com/office/drawing/2014/main" id="{772D8734-86D7-4785-B472-F7B633683A8D}"/>
+              </a:ext>
+            </a:extLst>
+          </p:cNvPr>
+          <p:cNvSpPr>
+            <a:spLocks noGrp="1"/>
+          </p:cNvSpPr>
+          <p:nvPr>
+            <p:ph type="sldNum" sz="quarter" idx="12"/>
+          </p:nvPr>
+        </p:nvSpPr>
+        <p:spPr/>
+        <p:txBody>
+          <a:bodyPr/>
+          <a:lstStyle/>
+          <a:p>
+            <a:fld id="{C5EA75CF-639A-4996-856D-6F4510F01885}" type="slidenum">
+              <a:rPr lang="en-US" smtClean="0"/>
+              <a:t>3</a:t>
+            </a:fld>
+            <a:endParaRPr lang="en-US"/>
+          </a:p>
+        </p:txBody>
+      </p:sp>
+      <p:sp>
+        <p:nvSpPr>
+          <p:cNvPr id="6" name="Footer Placeholder 5">
+            <a:extLst>
+              <a:ext uri="{FF2B5EF4-FFF2-40B4-BE49-F238E27FC236}">
+                <a16:creationId xmlns:a16="http://schemas.microsoft.com/office/drawing/2014/main" id="{68A4057E-96EE-4EAC-8351-AB21072AA8E1}"/>
+              </a:ext>
+            </a:extLst>
+          </p:cNvPr>
+          <p:cNvSpPr>
+            <a:spLocks noGrp="1"/>
+          </p:cNvSpPr>
+          <p:nvPr>
+            <p:ph type="ftr" sz="quarter" idx="11"/>
+          </p:nvPr>
+        </p:nvSpPr>
+        <p:spPr/>
+        <p:txBody>
+          <a:bodyPr/>
+          <a:lstStyle/>
+          <a:p>
+            <a:r>
+              <a:rPr lang="en-US" dirty="0"/>
+              <a:t>Data Engineering 2 | </a:t>
+            </a:r>
+            <a:r>
+              <a:rPr lang="en-US" dirty="0" err="1"/>
+              <a:t>Viktória</a:t>
+            </a:r>
+            <a:r>
+              <a:rPr lang="en-US" dirty="0"/>
+              <a:t> </a:t>
+            </a:r>
+            <a:r>
+              <a:rPr lang="en-US" dirty="0" err="1"/>
+              <a:t>Mészáros</a:t>
+            </a:r>
+            <a:r>
+              <a:rPr lang="en-US" dirty="0"/>
+              <a:t>, </a:t>
+            </a:r>
+            <a:r>
+              <a:rPr lang="en-US" dirty="0" err="1"/>
+              <a:t>Brúnó</a:t>
+            </a:r>
+            <a:r>
+              <a:rPr lang="en-US" dirty="0"/>
+              <a:t> </a:t>
+            </a:r>
+            <a:r>
+              <a:rPr lang="en-US" dirty="0" err="1"/>
+              <a:t>Helmeczy</a:t>
+            </a:r>
+            <a:r>
+              <a:rPr lang="en-US" dirty="0"/>
+              <a:t>, Attila Serfőző</a:t>
+            </a:r>
+          </a:p>
+        </p:txBody>
+      </p:sp>
       <p:pic>
         <p:nvPicPr>
-          <p:cNvPr id="4" name="Content Placeholder 20" descr="Diagram&#10;&#10;Description automatically generated">
+          <p:cNvPr id="8" name="Picture 7" descr="Diagram&#10;&#10;Description automatically generated">
             <a:extLst>
               <a:ext uri="{FF2B5EF4-FFF2-40B4-BE49-F238E27FC236}">
-                <a16:creationId xmlns:a16="http://schemas.microsoft.com/office/drawing/2014/main" id="{A76889B3-110A-4664-AC94-93B4A06610C3}"/>
+                <a16:creationId xmlns:a16="http://schemas.microsoft.com/office/drawing/2014/main" id="{E50CD6AC-138F-4426-B4CB-09AEABEC8AFD}"/>
               </a:ext>
             </a:extLst>
           </p:cNvPr>
           <p:cNvPicPr>
-            <a:picLocks noGrp="1" noChangeAspect="1"/>
+            <a:picLocks noChangeAspect="1"/>
           </p:cNvPicPr>
-          <p:nvPr>
-            <p:ph idx="1"/>
-          </p:nvPr>
+          <p:nvPr/>
         </p:nvPicPr>
         <p:blipFill rotWithShape="1">
           <a:blip r:embed="rId2">
@@ -7994,105 +8128,19 @@
               </a:ext>
             </a:extLst>
           </a:blip>
-          <a:srcRect l="909" t="5154" r="1547" b="2212"/>
+          <a:srcRect l="937" t="4772" r="1016" b="1745"/>
           <a:stretch/>
         </p:blipFill>
         <p:spPr>
           <a:xfrm>
-            <a:off x="1585944" y="1328184"/>
-            <a:ext cx="9917080" cy="4234416"/>
+            <a:off x="1576676" y="1347837"/>
+            <a:ext cx="9926347" cy="4255279"/>
           </a:xfrm>
+          <a:prstGeom prst="rect">
+            <a:avLst/>
+          </a:prstGeom>
         </p:spPr>
       </p:pic>
-      <p:sp>
-        <p:nvSpPr>
-          <p:cNvPr id="5" name="Slide Number Placeholder 4">
-            <a:extLst>
-              <a:ext uri="{FF2B5EF4-FFF2-40B4-BE49-F238E27FC236}">
-                <a16:creationId xmlns:a16="http://schemas.microsoft.com/office/drawing/2014/main" id="{772D8734-86D7-4785-B472-F7B633683A8D}"/>
-              </a:ext>
-            </a:extLst>
-          </p:cNvPr>
-          <p:cNvSpPr>
-            <a:spLocks noGrp="1"/>
-          </p:cNvSpPr>
-          <p:nvPr>
-            <p:ph type="sldNum" sz="quarter" idx="12"/>
-          </p:nvPr>
-        </p:nvSpPr>
-        <p:spPr/>
-        <p:txBody>
-          <a:bodyPr/>
-          <a:lstStyle/>
-          <a:p>
-            <a:fld id="{C5EA75CF-639A-4996-856D-6F4510F01885}" type="slidenum">
-              <a:rPr lang="en-US" smtClean="0"/>
-              <a:t>3</a:t>
-            </a:fld>
-            <a:endParaRPr lang="en-US"/>
-          </a:p>
-        </p:txBody>
-      </p:sp>
-      <p:sp>
-        <p:nvSpPr>
-          <p:cNvPr id="6" name="Footer Placeholder 5">
-            <a:extLst>
-              <a:ext uri="{FF2B5EF4-FFF2-40B4-BE49-F238E27FC236}">
-                <a16:creationId xmlns:a16="http://schemas.microsoft.com/office/drawing/2014/main" id="{68A4057E-96EE-4EAC-8351-AB21072AA8E1}"/>
-              </a:ext>
-            </a:extLst>
-          </p:cNvPr>
-          <p:cNvSpPr>
-            <a:spLocks noGrp="1"/>
-          </p:cNvSpPr>
-          <p:nvPr>
-            <p:ph type="ftr" sz="quarter" idx="11"/>
-          </p:nvPr>
-        </p:nvSpPr>
-        <p:spPr/>
-        <p:txBody>
-          <a:bodyPr/>
-          <a:lstStyle/>
-          <a:p>
-            <a:r>
-              <a:rPr lang="en-US" dirty="0"/>
-              <a:t>Data Engineering 2 | </a:t>
-            </a:r>
-            <a:r>
-              <a:rPr lang="en-US" dirty="0" err="1"/>
-              <a:t>Viktória</a:t>
-            </a:r>
-            <a:r>
-              <a:rPr lang="en-US" dirty="0"/>
-              <a:t> </a:t>
-            </a:r>
-            <a:r>
-              <a:rPr lang="en-US" dirty="0" err="1"/>
-              <a:t>Mészáros</a:t>
-            </a:r>
-            <a:r>
-              <a:rPr lang="en-US" dirty="0"/>
-              <a:t>, </a:t>
-            </a:r>
-            <a:r>
-              <a:rPr lang="en-US" dirty="0" err="1"/>
-              <a:t>Brúnó</a:t>
-            </a:r>
-            <a:r>
-              <a:rPr lang="en-US" dirty="0"/>
-              <a:t> </a:t>
-            </a:r>
-            <a:r>
-              <a:rPr lang="en-US" dirty="0" err="1"/>
-              <a:t>Helmeczy</a:t>
-            </a:r>
-            <a:r>
-              <a:rPr lang="en-US" dirty="0"/>
-              <a:t>, Attila Serfőző</a:t>
-            </a:r>
-          </a:p>
-        </p:txBody>
-      </p:sp>
     </p:spTree>
     <p:extLst>
       <p:ext uri="{BB962C8B-B14F-4D97-AF65-F5344CB8AC3E}">
@@ -10402,15 +10450,7 @@
             </a:pPr>
             <a:r>
               <a:rPr lang="en-US" sz="2000" dirty="0"/>
-              <a:t>KNIME </a:t>
-            </a:r>
-            <a:r>
-              <a:rPr lang="en-US" sz="2000" dirty="0" err="1"/>
-              <a:t>Interacticve</a:t>
-            </a:r>
-            <a:r>
-              <a:rPr lang="en-US" sz="2000" dirty="0"/>
-              <a:t> R Statistics Integration extension was needed to be added to KNIME</a:t>
+              <a:t>KNIME Interactive R Statistics Integration extension was needed to be added to KNIME</a:t>
             </a:r>
           </a:p>
           <a:p>
@@ -10653,8 +10693,8 @@
         </p:blipFill>
         <p:spPr>
           <a:xfrm>
-            <a:off x="7931148" y="1490663"/>
-            <a:ext cx="3571875" cy="4086225"/>
+            <a:off x="8550133" y="822038"/>
+            <a:ext cx="2952890" cy="3378106"/>
           </a:xfrm>
           <a:prstGeom prst="rect">
             <a:avLst/>
@@ -10713,10 +10753,9 @@
           <a:lstStyle/>
           <a:p>
             <a:r>
-              <a:rPr lang="hu-HU" dirty="0" err="1"/>
-              <a:t>Analytics</a:t>
-            </a:r>
-            <a:endParaRPr lang="en-US" dirty="0"/>
+              <a:rPr lang="en-US" dirty="0"/>
+              <a:t>Analytics &amp; Visualization</a:t>
+            </a:r>
           </a:p>
         </p:txBody>
       </p:sp>
